--- a/Documents/Test Reports/Payload Test Program Test Summary.pptx
+++ b/Documents/Test Reports/Payload Test Program Test Summary.pptx
@@ -6,6 +6,7 @@
   </p:sldMasterIdLst>
   <p:sldIdLst>
     <p:sldId id="256" r:id="rId2"/>
+    <p:sldId id="257" r:id="rId3"/>
   </p:sldIdLst>
   <p:sldSz cx="12192000" cy="6858000"/>
   <p:notesSz cx="6858000" cy="9144000"/>
@@ -126,6 +127,54 @@
       </p:grpSpPr>
       <p:sp>
         <p:nvSpPr>
+          <p:cNvPr id="7" name="Isosceles Triangle 6"/>
+          <p:cNvSpPr/>
+          <p:nvPr userDrawn="1"/>
+        </p:nvSpPr>
+        <p:spPr>
+          <a:xfrm flipV="1">
+            <a:off x="5051474" y="0"/>
+            <a:ext cx="7118252" cy="6858000"/>
+          </a:xfrm>
+          <a:prstGeom prst="triangle">
+            <a:avLst>
+              <a:gd name="adj" fmla="val 100000"/>
+            </a:avLst>
+          </a:prstGeom>
+          <a:solidFill>
+            <a:schemeClr val="accent1">
+              <a:lumMod val="20000"/>
+              <a:lumOff val="80000"/>
+            </a:schemeClr>
+          </a:solidFill>
+        </p:spPr>
+        <p:style>
+          <a:lnRef idx="2">
+            <a:schemeClr val="accent1">
+              <a:shade val="50000"/>
+            </a:schemeClr>
+          </a:lnRef>
+          <a:fillRef idx="1">
+            <a:schemeClr val="accent1"/>
+          </a:fillRef>
+          <a:effectRef idx="0">
+            <a:schemeClr val="accent1"/>
+          </a:effectRef>
+          <a:fontRef idx="minor">
+            <a:schemeClr val="lt1"/>
+          </a:fontRef>
+        </p:style>
+        <p:txBody>
+          <a:bodyPr rtlCol="0" anchor="ctr"/>
+          <a:lstStyle/>
+          <a:p>
+            <a:pPr algn="ctr"/>
+            <a:endParaRPr lang="en-US"/>
+          </a:p>
+        </p:txBody>
+      </p:sp>
+      <p:sp>
+        <p:nvSpPr>
           <p:cNvPr id="2" name="Title 1"/>
           <p:cNvSpPr>
             <a:spLocks noGrp="1"/>
@@ -136,23 +185,23 @@
         </p:nvSpPr>
         <p:spPr>
           <a:xfrm>
-            <a:off x="1524000" y="1122363"/>
-            <a:ext cx="9144000" cy="2387600"/>
+            <a:off x="0" y="2325786"/>
+            <a:ext cx="7230794" cy="2387600"/>
           </a:xfrm>
         </p:spPr>
         <p:txBody>
           <a:bodyPr anchor="b"/>
           <a:lstStyle>
-            <a:lvl1pPr algn="ctr">
+            <a:lvl1pPr algn="l">
               <a:defRPr sz="6000"/>
             </a:lvl1pPr>
           </a:lstStyle>
           <a:p>
             <a:r>
-              <a:rPr lang="en-US" smtClean="0"/>
+              <a:rPr lang="en-US" dirty="0" smtClean="0"/>
               <a:t>Click to edit Master title style</a:t>
             </a:r>
-            <a:endParaRPr lang="en-US"/>
+            <a:endParaRPr lang="en-US" dirty="0"/>
           </a:p>
         </p:txBody>
       </p:sp>
@@ -168,14 +217,14 @@
         </p:nvSpPr>
         <p:spPr>
           <a:xfrm>
-            <a:off x="1524000" y="3602038"/>
+            <a:off x="0" y="4713386"/>
             <a:ext cx="9144000" cy="1655762"/>
           </a:xfrm>
         </p:spPr>
         <p:txBody>
           <a:bodyPr/>
           <a:lstStyle>
-            <a:lvl1pPr marL="0" indent="0" algn="ctr">
+            <a:lvl1pPr marL="0" indent="0" algn="l">
               <a:buNone/>
               <a:defRPr sz="2400"/>
             </a:lvl1pPr>
@@ -214,10 +263,10 @@
           </a:lstStyle>
           <a:p>
             <a:r>
-              <a:rPr lang="en-US" smtClean="0"/>
+              <a:rPr lang="en-US" dirty="0" smtClean="0"/>
               <a:t>Click to edit Master subtitle style</a:t>
             </a:r>
-            <a:endParaRPr lang="en-US"/>
+            <a:endParaRPr lang="en-US" dirty="0"/>
           </a:p>
         </p:txBody>
       </p:sp>
@@ -236,7 +285,7 @@
           <a:bodyPr/>
           <a:lstStyle/>
           <a:p>
-            <a:fld id="{91EEB0D3-00D7-411D-AEFE-79F2C1160E38}" type="datetimeFigureOut">
+            <a:fld id="{7641C023-4088-4D75-BBD8-CE482B98921B}" type="datetimeFigureOut">
               <a:rPr lang="en-US" smtClean="0"/>
               <a:t>9/23/2019</a:t>
             </a:fld>
@@ -254,31 +303,39 @@
             <p:ph type="ftr" sz="quarter" idx="11"/>
           </p:nvPr>
         </p:nvSpPr>
+        <p:spPr>
+          <a:xfrm>
+            <a:off x="4038600" y="6356350"/>
+            <a:ext cx="4114800" cy="365125"/>
+          </a:xfrm>
+          <a:prstGeom prst="rect">
+            <a:avLst/>
+          </a:prstGeom>
+        </p:spPr>
+        <p:txBody>
+          <a:bodyPr/>
+          <a:lstStyle/>
+          <a:p>
+            <a:endParaRPr lang="en-US" dirty="0"/>
+          </a:p>
+        </p:txBody>
+      </p:sp>
+      <p:sp>
+        <p:nvSpPr>
+          <p:cNvPr id="6" name="Slide Number Placeholder 5"/>
+          <p:cNvSpPr>
+            <a:spLocks noGrp="1"/>
+          </p:cNvSpPr>
+          <p:nvPr>
+            <p:ph type="sldNum" sz="quarter" idx="12"/>
+          </p:nvPr>
+        </p:nvSpPr>
         <p:spPr/>
         <p:txBody>
           <a:bodyPr/>
           <a:lstStyle/>
           <a:p>
-            <a:endParaRPr lang="en-US"/>
-          </a:p>
-        </p:txBody>
-      </p:sp>
-      <p:sp>
-        <p:nvSpPr>
-          <p:cNvPr id="6" name="Slide Number Placeholder 5"/>
-          <p:cNvSpPr>
-            <a:spLocks noGrp="1"/>
-          </p:cNvSpPr>
-          <p:nvPr>
-            <p:ph type="sldNum" sz="quarter" idx="12"/>
-          </p:nvPr>
-        </p:nvSpPr>
-        <p:spPr/>
-        <p:txBody>
-          <a:bodyPr/>
-          <a:lstStyle/>
-          <a:p>
-            <a:fld id="{E2F2FD20-C54A-4B95-BF2E-C8FAC92E7190}" type="slidenum">
+            <a:fld id="{175F09DF-D319-4D32-86C8-2E63EA6969AE}" type="slidenum">
               <a:rPr lang="en-US" smtClean="0"/>
               <a:t>‹#›</a:t>
             </a:fld>
@@ -286,10 +343,58 @@
           </a:p>
         </p:txBody>
       </p:sp>
+      <p:pic>
+        <p:nvPicPr>
+          <p:cNvPr id="8" name="Picture 7"/>
+          <p:cNvPicPr>
+            <a:picLocks noChangeAspect="1"/>
+          </p:cNvPicPr>
+          <p:nvPr userDrawn="1"/>
+        </p:nvPicPr>
+        <p:blipFill>
+          <a:blip r:embed="rId2"/>
+          <a:stretch>
+            <a:fillRect/>
+          </a:stretch>
+        </p:blipFill>
+        <p:spPr>
+          <a:xfrm>
+            <a:off x="8398413" y="1085636"/>
+            <a:ext cx="3610552" cy="2889415"/>
+          </a:xfrm>
+          <a:prstGeom prst="rect">
+            <a:avLst/>
+          </a:prstGeom>
+        </p:spPr>
+      </p:pic>
+      <p:pic>
+        <p:nvPicPr>
+          <p:cNvPr id="9" name="Picture 8"/>
+          <p:cNvPicPr>
+            <a:picLocks noChangeAspect="1"/>
+          </p:cNvPicPr>
+          <p:nvPr userDrawn="1"/>
+        </p:nvPicPr>
+        <p:blipFill>
+          <a:blip r:embed="rId3"/>
+          <a:stretch>
+            <a:fillRect/>
+          </a:stretch>
+        </p:blipFill>
+        <p:spPr>
+          <a:xfrm>
+            <a:off x="-186408" y="-154512"/>
+            <a:ext cx="2959976" cy="2480297"/>
+          </a:xfrm>
+          <a:prstGeom prst="rect">
+            <a:avLst/>
+          </a:prstGeom>
+        </p:spPr>
+      </p:pic>
     </p:spTree>
     <p:extLst>
       <p:ext uri="{BB962C8B-B14F-4D97-AF65-F5344CB8AC3E}">
-        <p14:creationId xmlns:p14="http://schemas.microsoft.com/office/powerpoint/2010/main" val="3146427593"/>
+        <p14:creationId xmlns:p14="http://schemas.microsoft.com/office/powerpoint/2010/main" val="1510880771"/>
       </p:ext>
     </p:extLst>
   </p:cSld>
@@ -406,7 +511,7 @@
           <a:bodyPr/>
           <a:lstStyle/>
           <a:p>
-            <a:fld id="{91EEB0D3-00D7-411D-AEFE-79F2C1160E38}" type="datetimeFigureOut">
+            <a:fld id="{7641C023-4088-4D75-BBD8-CE482B98921B}" type="datetimeFigureOut">
               <a:rPr lang="en-US" smtClean="0"/>
               <a:t>9/23/2019</a:t>
             </a:fld>
@@ -424,31 +529,39 @@
             <p:ph type="ftr" sz="quarter" idx="11"/>
           </p:nvPr>
         </p:nvSpPr>
+        <p:spPr>
+          <a:xfrm>
+            <a:off x="4038600" y="6356350"/>
+            <a:ext cx="4114800" cy="365125"/>
+          </a:xfrm>
+          <a:prstGeom prst="rect">
+            <a:avLst/>
+          </a:prstGeom>
+        </p:spPr>
+        <p:txBody>
+          <a:bodyPr/>
+          <a:lstStyle/>
+          <a:p>
+            <a:endParaRPr lang="en-US"/>
+          </a:p>
+        </p:txBody>
+      </p:sp>
+      <p:sp>
+        <p:nvSpPr>
+          <p:cNvPr id="6" name="Slide Number Placeholder 5"/>
+          <p:cNvSpPr>
+            <a:spLocks noGrp="1"/>
+          </p:cNvSpPr>
+          <p:nvPr>
+            <p:ph type="sldNum" sz="quarter" idx="12"/>
+          </p:nvPr>
+        </p:nvSpPr>
         <p:spPr/>
         <p:txBody>
           <a:bodyPr/>
           <a:lstStyle/>
           <a:p>
-            <a:endParaRPr lang="en-US"/>
-          </a:p>
-        </p:txBody>
-      </p:sp>
-      <p:sp>
-        <p:nvSpPr>
-          <p:cNvPr id="6" name="Slide Number Placeholder 5"/>
-          <p:cNvSpPr>
-            <a:spLocks noGrp="1"/>
-          </p:cNvSpPr>
-          <p:nvPr>
-            <p:ph type="sldNum" sz="quarter" idx="12"/>
-          </p:nvPr>
-        </p:nvSpPr>
-        <p:spPr/>
-        <p:txBody>
-          <a:bodyPr/>
-          <a:lstStyle/>
-          <a:p>
-            <a:fld id="{E2F2FD20-C54A-4B95-BF2E-C8FAC92E7190}" type="slidenum">
+            <a:fld id="{175F09DF-D319-4D32-86C8-2E63EA6969AE}" type="slidenum">
               <a:rPr lang="en-US" smtClean="0"/>
               <a:t>‹#›</a:t>
             </a:fld>
@@ -459,7 +572,7 @@
     </p:spTree>
     <p:extLst>
       <p:ext uri="{BB962C8B-B14F-4D97-AF65-F5344CB8AC3E}">
-        <p14:creationId xmlns:p14="http://schemas.microsoft.com/office/powerpoint/2010/main" val="550417496"/>
+        <p14:creationId xmlns:p14="http://schemas.microsoft.com/office/powerpoint/2010/main" val="338772948"/>
       </p:ext>
     </p:extLst>
   </p:cSld>
@@ -586,7 +699,7 @@
           <a:bodyPr/>
           <a:lstStyle/>
           <a:p>
-            <a:fld id="{91EEB0D3-00D7-411D-AEFE-79F2C1160E38}" type="datetimeFigureOut">
+            <a:fld id="{7641C023-4088-4D75-BBD8-CE482B98921B}" type="datetimeFigureOut">
               <a:rPr lang="en-US" smtClean="0"/>
               <a:t>9/23/2019</a:t>
             </a:fld>
@@ -604,31 +717,39 @@
             <p:ph type="ftr" sz="quarter" idx="11"/>
           </p:nvPr>
         </p:nvSpPr>
+        <p:spPr>
+          <a:xfrm>
+            <a:off x="4038600" y="6356350"/>
+            <a:ext cx="4114800" cy="365125"/>
+          </a:xfrm>
+          <a:prstGeom prst="rect">
+            <a:avLst/>
+          </a:prstGeom>
+        </p:spPr>
+        <p:txBody>
+          <a:bodyPr/>
+          <a:lstStyle/>
+          <a:p>
+            <a:endParaRPr lang="en-US"/>
+          </a:p>
+        </p:txBody>
+      </p:sp>
+      <p:sp>
+        <p:nvSpPr>
+          <p:cNvPr id="6" name="Slide Number Placeholder 5"/>
+          <p:cNvSpPr>
+            <a:spLocks noGrp="1"/>
+          </p:cNvSpPr>
+          <p:nvPr>
+            <p:ph type="sldNum" sz="quarter" idx="12"/>
+          </p:nvPr>
+        </p:nvSpPr>
         <p:spPr/>
         <p:txBody>
           <a:bodyPr/>
           <a:lstStyle/>
           <a:p>
-            <a:endParaRPr lang="en-US"/>
-          </a:p>
-        </p:txBody>
-      </p:sp>
-      <p:sp>
-        <p:nvSpPr>
-          <p:cNvPr id="6" name="Slide Number Placeholder 5"/>
-          <p:cNvSpPr>
-            <a:spLocks noGrp="1"/>
-          </p:cNvSpPr>
-          <p:nvPr>
-            <p:ph type="sldNum" sz="quarter" idx="12"/>
-          </p:nvPr>
-        </p:nvSpPr>
-        <p:spPr/>
-        <p:txBody>
-          <a:bodyPr/>
-          <a:lstStyle/>
-          <a:p>
-            <a:fld id="{E2F2FD20-C54A-4B95-BF2E-C8FAC92E7190}" type="slidenum">
+            <a:fld id="{175F09DF-D319-4D32-86C8-2E63EA6969AE}" type="slidenum">
               <a:rPr lang="en-US" smtClean="0"/>
               <a:t>‹#›</a:t>
             </a:fld>
@@ -639,7 +760,7 @@
     </p:spTree>
     <p:extLst>
       <p:ext uri="{BB962C8B-B14F-4D97-AF65-F5344CB8AC3E}">
-        <p14:creationId xmlns:p14="http://schemas.microsoft.com/office/powerpoint/2010/main" val="2101171823"/>
+        <p14:creationId xmlns:p14="http://schemas.microsoft.com/office/powerpoint/2010/main" val="3661885955"/>
       </p:ext>
     </p:extLst>
   </p:cSld>
@@ -668,6 +789,52 @@
       </p:grpSpPr>
       <p:sp>
         <p:nvSpPr>
+          <p:cNvPr id="7" name="Rectangle 6"/>
+          <p:cNvSpPr/>
+          <p:nvPr userDrawn="1"/>
+        </p:nvSpPr>
+        <p:spPr>
+          <a:xfrm>
+            <a:off x="0" y="-1"/>
+            <a:ext cx="12192000" cy="1408113"/>
+          </a:xfrm>
+          <a:prstGeom prst="rect">
+            <a:avLst/>
+          </a:prstGeom>
+          <a:solidFill>
+            <a:schemeClr val="accent1">
+              <a:lumMod val="20000"/>
+              <a:lumOff val="80000"/>
+            </a:schemeClr>
+          </a:solidFill>
+        </p:spPr>
+        <p:style>
+          <a:lnRef idx="2">
+            <a:schemeClr val="accent1">
+              <a:shade val="50000"/>
+            </a:schemeClr>
+          </a:lnRef>
+          <a:fillRef idx="1">
+            <a:schemeClr val="accent1"/>
+          </a:fillRef>
+          <a:effectRef idx="0">
+            <a:schemeClr val="accent1"/>
+          </a:effectRef>
+          <a:fontRef idx="minor">
+            <a:schemeClr val="lt1"/>
+          </a:fontRef>
+        </p:style>
+        <p:txBody>
+          <a:bodyPr rtlCol="0" anchor="ctr"/>
+          <a:lstStyle/>
+          <a:p>
+            <a:pPr algn="ctr"/>
+            <a:endParaRPr lang="en-US"/>
+          </a:p>
+        </p:txBody>
+      </p:sp>
+      <p:sp>
+        <p:nvSpPr>
           <p:cNvPr id="2" name="Title 1"/>
           <p:cNvSpPr>
             <a:spLocks noGrp="1"/>
@@ -676,87 +843,97 @@
             <p:ph type="title"/>
           </p:nvPr>
         </p:nvSpPr>
+        <p:spPr>
+          <a:xfrm>
+            <a:off x="1903828" y="351057"/>
+            <a:ext cx="8384344" cy="930275"/>
+          </a:xfrm>
+        </p:spPr>
+        <p:txBody>
+          <a:bodyPr/>
+          <a:lstStyle/>
+          <a:p>
+            <a:r>
+              <a:rPr lang="en-US" smtClean="0"/>
+              <a:t>Click to edit Master title style</a:t>
+            </a:r>
+            <a:endParaRPr lang="en-US"/>
+          </a:p>
+        </p:txBody>
+      </p:sp>
+      <p:sp>
+        <p:nvSpPr>
+          <p:cNvPr id="3" name="Content Placeholder 2"/>
+          <p:cNvSpPr>
+            <a:spLocks noGrp="1"/>
+          </p:cNvSpPr>
+          <p:nvPr>
+            <p:ph idx="1"/>
+          </p:nvPr>
+        </p:nvSpPr>
+        <p:spPr>
+          <a:xfrm>
+            <a:off x="838200" y="1587500"/>
+            <a:ext cx="10515600" cy="4589463"/>
+          </a:xfrm>
+        </p:spPr>
+        <p:txBody>
+          <a:bodyPr/>
+          <a:lstStyle/>
+          <a:p>
+            <a:pPr lvl="0"/>
+            <a:r>
+              <a:rPr lang="en-US" smtClean="0"/>
+              <a:t>Click to edit Master text styles</a:t>
+            </a:r>
+          </a:p>
+          <a:p>
+            <a:pPr lvl="1"/>
+            <a:r>
+              <a:rPr lang="en-US" smtClean="0"/>
+              <a:t>Second level</a:t>
+            </a:r>
+          </a:p>
+          <a:p>
+            <a:pPr lvl="2"/>
+            <a:r>
+              <a:rPr lang="en-US" smtClean="0"/>
+              <a:t>Third level</a:t>
+            </a:r>
+          </a:p>
+          <a:p>
+            <a:pPr lvl="3"/>
+            <a:r>
+              <a:rPr lang="en-US" smtClean="0"/>
+              <a:t>Fourth level</a:t>
+            </a:r>
+          </a:p>
+          <a:p>
+            <a:pPr lvl="4"/>
+            <a:r>
+              <a:rPr lang="en-US" smtClean="0"/>
+              <a:t>Fifth level</a:t>
+            </a:r>
+            <a:endParaRPr lang="en-US"/>
+          </a:p>
+        </p:txBody>
+      </p:sp>
+      <p:sp>
+        <p:nvSpPr>
+          <p:cNvPr id="4" name="Date Placeholder 3"/>
+          <p:cNvSpPr>
+            <a:spLocks noGrp="1"/>
+          </p:cNvSpPr>
+          <p:nvPr>
+            <p:ph type="dt" sz="half" idx="10"/>
+          </p:nvPr>
+        </p:nvSpPr>
         <p:spPr/>
         <p:txBody>
           <a:bodyPr/>
           <a:lstStyle/>
           <a:p>
-            <a:r>
-              <a:rPr lang="en-US" smtClean="0"/>
-              <a:t>Click to edit Master title style</a:t>
-            </a:r>
-            <a:endParaRPr lang="en-US"/>
-          </a:p>
-        </p:txBody>
-      </p:sp>
-      <p:sp>
-        <p:nvSpPr>
-          <p:cNvPr id="3" name="Content Placeholder 2"/>
-          <p:cNvSpPr>
-            <a:spLocks noGrp="1"/>
-          </p:cNvSpPr>
-          <p:nvPr>
-            <p:ph idx="1"/>
-          </p:nvPr>
-        </p:nvSpPr>
-        <p:spPr/>
-        <p:txBody>
-          <a:bodyPr/>
-          <a:lstStyle/>
-          <a:p>
-            <a:pPr lvl="0"/>
-            <a:r>
-              <a:rPr lang="en-US" smtClean="0"/>
-              <a:t>Click to edit Master text styles</a:t>
-            </a:r>
-          </a:p>
-          <a:p>
-            <a:pPr lvl="1"/>
-            <a:r>
-              <a:rPr lang="en-US" smtClean="0"/>
-              <a:t>Second level</a:t>
-            </a:r>
-          </a:p>
-          <a:p>
-            <a:pPr lvl="2"/>
-            <a:r>
-              <a:rPr lang="en-US" smtClean="0"/>
-              <a:t>Third level</a:t>
-            </a:r>
-          </a:p>
-          <a:p>
-            <a:pPr lvl="3"/>
-            <a:r>
-              <a:rPr lang="en-US" smtClean="0"/>
-              <a:t>Fourth level</a:t>
-            </a:r>
-          </a:p>
-          <a:p>
-            <a:pPr lvl="4"/>
-            <a:r>
-              <a:rPr lang="en-US" smtClean="0"/>
-              <a:t>Fifth level</a:t>
-            </a:r>
-            <a:endParaRPr lang="en-US"/>
-          </a:p>
-        </p:txBody>
-      </p:sp>
-      <p:sp>
-        <p:nvSpPr>
-          <p:cNvPr id="4" name="Date Placeholder 3"/>
-          <p:cNvSpPr>
-            <a:spLocks noGrp="1"/>
-          </p:cNvSpPr>
-          <p:nvPr>
-            <p:ph type="dt" sz="half" idx="10"/>
-          </p:nvPr>
-        </p:nvSpPr>
-        <p:spPr/>
-        <p:txBody>
-          <a:bodyPr/>
-          <a:lstStyle/>
-          <a:p>
-            <a:fld id="{91EEB0D3-00D7-411D-AEFE-79F2C1160E38}" type="datetimeFigureOut">
+            <a:fld id="{7641C023-4088-4D75-BBD8-CE482B98921B}" type="datetimeFigureOut">
               <a:rPr lang="en-US" smtClean="0"/>
               <a:t>9/23/2019</a:t>
             </a:fld>
@@ -774,31 +951,39 @@
             <p:ph type="ftr" sz="quarter" idx="11"/>
           </p:nvPr>
         </p:nvSpPr>
+        <p:spPr>
+          <a:xfrm>
+            <a:off x="4038600" y="6356350"/>
+            <a:ext cx="4114800" cy="365125"/>
+          </a:xfrm>
+          <a:prstGeom prst="rect">
+            <a:avLst/>
+          </a:prstGeom>
+        </p:spPr>
+        <p:txBody>
+          <a:bodyPr/>
+          <a:lstStyle/>
+          <a:p>
+            <a:endParaRPr lang="en-US"/>
+          </a:p>
+        </p:txBody>
+      </p:sp>
+      <p:sp>
+        <p:nvSpPr>
+          <p:cNvPr id="6" name="Slide Number Placeholder 5"/>
+          <p:cNvSpPr>
+            <a:spLocks noGrp="1"/>
+          </p:cNvSpPr>
+          <p:nvPr>
+            <p:ph type="sldNum" sz="quarter" idx="12"/>
+          </p:nvPr>
+        </p:nvSpPr>
         <p:spPr/>
         <p:txBody>
           <a:bodyPr/>
           <a:lstStyle/>
           <a:p>
-            <a:endParaRPr lang="en-US"/>
-          </a:p>
-        </p:txBody>
-      </p:sp>
-      <p:sp>
-        <p:nvSpPr>
-          <p:cNvPr id="6" name="Slide Number Placeholder 5"/>
-          <p:cNvSpPr>
-            <a:spLocks noGrp="1"/>
-          </p:cNvSpPr>
-          <p:nvPr>
-            <p:ph type="sldNum" sz="quarter" idx="12"/>
-          </p:nvPr>
-        </p:nvSpPr>
-        <p:spPr/>
-        <p:txBody>
-          <a:bodyPr/>
-          <a:lstStyle/>
-          <a:p>
-            <a:fld id="{E2F2FD20-C54A-4B95-BF2E-C8FAC92E7190}" type="slidenum">
+            <a:fld id="{175F09DF-D319-4D32-86C8-2E63EA6969AE}" type="slidenum">
               <a:rPr lang="en-US" smtClean="0"/>
               <a:t>‹#›</a:t>
             </a:fld>
@@ -806,10 +991,58 @@
           </a:p>
         </p:txBody>
       </p:sp>
+      <p:pic>
+        <p:nvPicPr>
+          <p:cNvPr id="17" name="Picture 16"/>
+          <p:cNvPicPr>
+            <a:picLocks noChangeAspect="1"/>
+          </p:cNvPicPr>
+          <p:nvPr userDrawn="1"/>
+        </p:nvPicPr>
+        <p:blipFill>
+          <a:blip r:embed="rId2"/>
+          <a:stretch>
+            <a:fillRect/>
+          </a:stretch>
+        </p:blipFill>
+        <p:spPr>
+          <a:xfrm>
+            <a:off x="10600162" y="100941"/>
+            <a:ext cx="1507276" cy="1206227"/>
+          </a:xfrm>
+          <a:prstGeom prst="rect">
+            <a:avLst/>
+          </a:prstGeom>
+        </p:spPr>
+      </p:pic>
+      <p:pic>
+        <p:nvPicPr>
+          <p:cNvPr id="23" name="Picture 22"/>
+          <p:cNvPicPr>
+            <a:picLocks noChangeAspect="1"/>
+          </p:cNvPicPr>
+          <p:nvPr userDrawn="1"/>
+        </p:nvPicPr>
+        <p:blipFill>
+          <a:blip r:embed="rId3"/>
+          <a:stretch>
+            <a:fillRect/>
+          </a:stretch>
+        </p:blipFill>
+        <p:spPr>
+          <a:xfrm>
+            <a:off x="-186408" y="-154511"/>
+            <a:ext cx="2049216" cy="1717130"/>
+          </a:xfrm>
+          <a:prstGeom prst="rect">
+            <a:avLst/>
+          </a:prstGeom>
+        </p:spPr>
+      </p:pic>
     </p:spTree>
     <p:extLst>
       <p:ext uri="{BB962C8B-B14F-4D97-AF65-F5344CB8AC3E}">
-        <p14:creationId xmlns:p14="http://schemas.microsoft.com/office/powerpoint/2010/main" val="3390547026"/>
+        <p14:creationId xmlns:p14="http://schemas.microsoft.com/office/powerpoint/2010/main" val="3083393250"/>
       </p:ext>
     </p:extLst>
   </p:cSld>
@@ -1002,7 +1235,7 @@
           <a:bodyPr/>
           <a:lstStyle/>
           <a:p>
-            <a:fld id="{91EEB0D3-00D7-411D-AEFE-79F2C1160E38}" type="datetimeFigureOut">
+            <a:fld id="{7641C023-4088-4D75-BBD8-CE482B98921B}" type="datetimeFigureOut">
               <a:rPr lang="en-US" smtClean="0"/>
               <a:t>9/23/2019</a:t>
             </a:fld>
@@ -1020,31 +1253,39 @@
             <p:ph type="ftr" sz="quarter" idx="11"/>
           </p:nvPr>
         </p:nvSpPr>
+        <p:spPr>
+          <a:xfrm>
+            <a:off x="4038600" y="6356350"/>
+            <a:ext cx="4114800" cy="365125"/>
+          </a:xfrm>
+          <a:prstGeom prst="rect">
+            <a:avLst/>
+          </a:prstGeom>
+        </p:spPr>
+        <p:txBody>
+          <a:bodyPr/>
+          <a:lstStyle/>
+          <a:p>
+            <a:endParaRPr lang="en-US"/>
+          </a:p>
+        </p:txBody>
+      </p:sp>
+      <p:sp>
+        <p:nvSpPr>
+          <p:cNvPr id="6" name="Slide Number Placeholder 5"/>
+          <p:cNvSpPr>
+            <a:spLocks noGrp="1"/>
+          </p:cNvSpPr>
+          <p:nvPr>
+            <p:ph type="sldNum" sz="quarter" idx="12"/>
+          </p:nvPr>
+        </p:nvSpPr>
         <p:spPr/>
         <p:txBody>
           <a:bodyPr/>
           <a:lstStyle/>
           <a:p>
-            <a:endParaRPr lang="en-US"/>
-          </a:p>
-        </p:txBody>
-      </p:sp>
-      <p:sp>
-        <p:nvSpPr>
-          <p:cNvPr id="6" name="Slide Number Placeholder 5"/>
-          <p:cNvSpPr>
-            <a:spLocks noGrp="1"/>
-          </p:cNvSpPr>
-          <p:nvPr>
-            <p:ph type="sldNum" sz="quarter" idx="12"/>
-          </p:nvPr>
-        </p:nvSpPr>
-        <p:spPr/>
-        <p:txBody>
-          <a:bodyPr/>
-          <a:lstStyle/>
-          <a:p>
-            <a:fld id="{E2F2FD20-C54A-4B95-BF2E-C8FAC92E7190}" type="slidenum">
+            <a:fld id="{175F09DF-D319-4D32-86C8-2E63EA6969AE}" type="slidenum">
               <a:rPr lang="en-US" smtClean="0"/>
               <a:t>‹#›</a:t>
             </a:fld>
@@ -1052,10 +1293,58 @@
           </a:p>
         </p:txBody>
       </p:sp>
+      <p:pic>
+        <p:nvPicPr>
+          <p:cNvPr id="7" name="Picture 6"/>
+          <p:cNvPicPr>
+            <a:picLocks noChangeAspect="1"/>
+          </p:cNvPicPr>
+          <p:nvPr userDrawn="1"/>
+        </p:nvPicPr>
+        <p:blipFill>
+          <a:blip r:embed="rId2"/>
+          <a:stretch>
+            <a:fillRect/>
+          </a:stretch>
+        </p:blipFill>
+        <p:spPr>
+          <a:xfrm>
+            <a:off x="10600162" y="100941"/>
+            <a:ext cx="1507276" cy="1206227"/>
+          </a:xfrm>
+          <a:prstGeom prst="rect">
+            <a:avLst/>
+          </a:prstGeom>
+        </p:spPr>
+      </p:pic>
+      <p:pic>
+        <p:nvPicPr>
+          <p:cNvPr id="8" name="Picture 7"/>
+          <p:cNvPicPr>
+            <a:picLocks noChangeAspect="1"/>
+          </p:cNvPicPr>
+          <p:nvPr userDrawn="1"/>
+        </p:nvPicPr>
+        <p:blipFill>
+          <a:blip r:embed="rId3"/>
+          <a:stretch>
+            <a:fillRect/>
+          </a:stretch>
+        </p:blipFill>
+        <p:spPr>
+          <a:xfrm>
+            <a:off x="-186408" y="-154511"/>
+            <a:ext cx="2049216" cy="1717130"/>
+          </a:xfrm>
+          <a:prstGeom prst="rect">
+            <a:avLst/>
+          </a:prstGeom>
+        </p:spPr>
+      </p:pic>
     </p:spTree>
     <p:extLst>
       <p:ext uri="{BB962C8B-B14F-4D97-AF65-F5344CB8AC3E}">
-        <p14:creationId xmlns:p14="http://schemas.microsoft.com/office/powerpoint/2010/main" val="2932059464"/>
+        <p14:creationId xmlns:p14="http://schemas.microsoft.com/office/powerpoint/2010/main" val="900905525"/>
       </p:ext>
     </p:extLst>
   </p:cSld>
@@ -1066,7 +1355,7 @@
 </file>
 
 <file path=ppt/slideLayouts/slideLayout4.xml><?xml version="1.0" encoding="utf-8"?>
-<p:sldLayout xmlns:a="http://schemas.openxmlformats.org/drawingml/2006/main" xmlns:r="http://schemas.openxmlformats.org/officeDocument/2006/relationships" xmlns:p="http://schemas.openxmlformats.org/presentationml/2006/main" type="twoObj" preserve="1">
+<p:sldLayout xmlns:a="http://schemas.openxmlformats.org/drawingml/2006/main" xmlns:r="http://schemas.openxmlformats.org/officeDocument/2006/relationships" xmlns:p="http://schemas.openxmlformats.org/presentationml/2006/main" preserve="1" userDrawn="1">
   <p:cSld name="Two Content">
     <p:spTree>
       <p:nvGrpSpPr>
@@ -1084,29 +1373,6 @@
       </p:grpSpPr>
       <p:sp>
         <p:nvSpPr>
-          <p:cNvPr id="2" name="Title 1"/>
-          <p:cNvSpPr>
-            <a:spLocks noGrp="1"/>
-          </p:cNvSpPr>
-          <p:nvPr>
-            <p:ph type="title"/>
-          </p:nvPr>
-        </p:nvSpPr>
-        <p:spPr/>
-        <p:txBody>
-          <a:bodyPr/>
-          <a:lstStyle/>
-          <a:p>
-            <a:r>
-              <a:rPr lang="en-US" smtClean="0"/>
-              <a:t>Click to edit Master title style</a:t>
-            </a:r>
-            <a:endParaRPr lang="en-US"/>
-          </a:p>
-        </p:txBody>
-      </p:sp>
-      <p:sp>
-        <p:nvSpPr>
           <p:cNvPr id="3" name="Content Placeholder 2"/>
           <p:cNvSpPr>
             <a:spLocks noGrp="1"/>
@@ -1234,7 +1500,7 @@
           <a:bodyPr/>
           <a:lstStyle/>
           <a:p>
-            <a:fld id="{91EEB0D3-00D7-411D-AEFE-79F2C1160E38}" type="datetimeFigureOut">
+            <a:fld id="{7641C023-4088-4D75-BBD8-CE482B98921B}" type="datetimeFigureOut">
               <a:rPr lang="en-US" smtClean="0"/>
               <a:t>9/23/2019</a:t>
             </a:fld>
@@ -1252,31 +1518,39 @@
             <p:ph type="ftr" sz="quarter" idx="11"/>
           </p:nvPr>
         </p:nvSpPr>
+        <p:spPr>
+          <a:xfrm>
+            <a:off x="4038600" y="6356350"/>
+            <a:ext cx="4114800" cy="365125"/>
+          </a:xfrm>
+          <a:prstGeom prst="rect">
+            <a:avLst/>
+          </a:prstGeom>
+        </p:spPr>
+        <p:txBody>
+          <a:bodyPr/>
+          <a:lstStyle/>
+          <a:p>
+            <a:endParaRPr lang="en-US"/>
+          </a:p>
+        </p:txBody>
+      </p:sp>
+      <p:sp>
+        <p:nvSpPr>
+          <p:cNvPr id="7" name="Slide Number Placeholder 6"/>
+          <p:cNvSpPr>
+            <a:spLocks noGrp="1"/>
+          </p:cNvSpPr>
+          <p:nvPr>
+            <p:ph type="sldNum" sz="quarter" idx="12"/>
+          </p:nvPr>
+        </p:nvSpPr>
         <p:spPr/>
         <p:txBody>
           <a:bodyPr/>
           <a:lstStyle/>
           <a:p>
-            <a:endParaRPr lang="en-US"/>
-          </a:p>
-        </p:txBody>
-      </p:sp>
-      <p:sp>
-        <p:nvSpPr>
-          <p:cNvPr id="7" name="Slide Number Placeholder 6"/>
-          <p:cNvSpPr>
-            <a:spLocks noGrp="1"/>
-          </p:cNvSpPr>
-          <p:nvPr>
-            <p:ph type="sldNum" sz="quarter" idx="12"/>
-          </p:nvPr>
-        </p:nvSpPr>
-        <p:spPr/>
-        <p:txBody>
-          <a:bodyPr/>
-          <a:lstStyle/>
-          <a:p>
-            <a:fld id="{E2F2FD20-C54A-4B95-BF2E-C8FAC92E7190}" type="slidenum">
+            <a:fld id="{175F09DF-D319-4D32-86C8-2E63EA6969AE}" type="slidenum">
               <a:rPr lang="en-US" smtClean="0"/>
               <a:t>‹#›</a:t>
             </a:fld>
@@ -1284,10 +1558,132 @@
           </a:p>
         </p:txBody>
       </p:sp>
+      <p:sp>
+        <p:nvSpPr>
+          <p:cNvPr id="8" name="Rectangle 7"/>
+          <p:cNvSpPr/>
+          <p:nvPr userDrawn="1"/>
+        </p:nvSpPr>
+        <p:spPr>
+          <a:xfrm>
+            <a:off x="0" y="-1"/>
+            <a:ext cx="12192000" cy="1408113"/>
+          </a:xfrm>
+          <a:prstGeom prst="rect">
+            <a:avLst/>
+          </a:prstGeom>
+          <a:solidFill>
+            <a:schemeClr val="accent1">
+              <a:lumMod val="20000"/>
+              <a:lumOff val="80000"/>
+            </a:schemeClr>
+          </a:solidFill>
+        </p:spPr>
+        <p:style>
+          <a:lnRef idx="2">
+            <a:schemeClr val="accent1">
+              <a:shade val="50000"/>
+            </a:schemeClr>
+          </a:lnRef>
+          <a:fillRef idx="1">
+            <a:schemeClr val="accent1"/>
+          </a:fillRef>
+          <a:effectRef idx="0">
+            <a:schemeClr val="accent1"/>
+          </a:effectRef>
+          <a:fontRef idx="minor">
+            <a:schemeClr val="lt1"/>
+          </a:fontRef>
+        </p:style>
+        <p:txBody>
+          <a:bodyPr rtlCol="0" anchor="ctr"/>
+          <a:lstStyle/>
+          <a:p>
+            <a:pPr algn="ctr"/>
+            <a:endParaRPr lang="en-US"/>
+          </a:p>
+        </p:txBody>
+      </p:sp>
+      <p:sp>
+        <p:nvSpPr>
+          <p:cNvPr id="9" name="Title 1"/>
+          <p:cNvSpPr>
+            <a:spLocks noGrp="1"/>
+          </p:cNvSpPr>
+          <p:nvPr>
+            <p:ph type="title"/>
+          </p:nvPr>
+        </p:nvSpPr>
+        <p:spPr>
+          <a:xfrm>
+            <a:off x="1903828" y="351057"/>
+            <a:ext cx="8384344" cy="930275"/>
+          </a:xfrm>
+        </p:spPr>
+        <p:txBody>
+          <a:bodyPr/>
+          <a:lstStyle/>
+          <a:p>
+            <a:r>
+              <a:rPr lang="en-US" smtClean="0"/>
+              <a:t>Click to edit Master title style</a:t>
+            </a:r>
+            <a:endParaRPr lang="en-US"/>
+          </a:p>
+        </p:txBody>
+      </p:sp>
+      <p:pic>
+        <p:nvPicPr>
+          <p:cNvPr id="10" name="Picture 9"/>
+          <p:cNvPicPr>
+            <a:picLocks noChangeAspect="1"/>
+          </p:cNvPicPr>
+          <p:nvPr userDrawn="1"/>
+        </p:nvPicPr>
+        <p:blipFill>
+          <a:blip r:embed="rId2"/>
+          <a:stretch>
+            <a:fillRect/>
+          </a:stretch>
+        </p:blipFill>
+        <p:spPr>
+          <a:xfrm>
+            <a:off x="10600162" y="100941"/>
+            <a:ext cx="1507276" cy="1206227"/>
+          </a:xfrm>
+          <a:prstGeom prst="rect">
+            <a:avLst/>
+          </a:prstGeom>
+        </p:spPr>
+      </p:pic>
+      <p:pic>
+        <p:nvPicPr>
+          <p:cNvPr id="11" name="Picture 10"/>
+          <p:cNvPicPr>
+            <a:picLocks noChangeAspect="1"/>
+          </p:cNvPicPr>
+          <p:nvPr userDrawn="1"/>
+        </p:nvPicPr>
+        <p:blipFill>
+          <a:blip r:embed="rId3"/>
+          <a:stretch>
+            <a:fillRect/>
+          </a:stretch>
+        </p:blipFill>
+        <p:spPr>
+          <a:xfrm>
+            <a:off x="-186408" y="-154511"/>
+            <a:ext cx="2049216" cy="1717130"/>
+          </a:xfrm>
+          <a:prstGeom prst="rect">
+            <a:avLst/>
+          </a:prstGeom>
+        </p:spPr>
+      </p:pic>
     </p:spTree>
     <p:extLst>
       <p:ext uri="{BB962C8B-B14F-4D97-AF65-F5344CB8AC3E}">
-        <p14:creationId xmlns:p14="http://schemas.microsoft.com/office/powerpoint/2010/main" val="1755564739"/>
+        <p14:creationId xmlns:p14="http://schemas.microsoft.com/office/powerpoint/2010/main" val="3117421081"/>
       </p:ext>
     </p:extLst>
   </p:cSld>
@@ -1298,7 +1694,7 @@
 </file>
 
 <file path=ppt/slideLayouts/slideLayout5.xml><?xml version="1.0" encoding="utf-8"?>
-<p:sldLayout xmlns:a="http://schemas.openxmlformats.org/drawingml/2006/main" xmlns:r="http://schemas.openxmlformats.org/officeDocument/2006/relationships" xmlns:p="http://schemas.openxmlformats.org/presentationml/2006/main" type="twoTxTwoObj" preserve="1">
+<p:sldLayout xmlns:a="http://schemas.openxmlformats.org/drawingml/2006/main" xmlns:r="http://schemas.openxmlformats.org/officeDocument/2006/relationships" xmlns:p="http://schemas.openxmlformats.org/presentationml/2006/main" preserve="1" userDrawn="1">
   <p:cSld name="Comparison">
     <p:spTree>
       <p:nvGrpSpPr>
@@ -1316,34 +1712,6 @@
       </p:grpSpPr>
       <p:sp>
         <p:nvSpPr>
-          <p:cNvPr id="2" name="Title 1"/>
-          <p:cNvSpPr>
-            <a:spLocks noGrp="1"/>
-          </p:cNvSpPr>
-          <p:nvPr>
-            <p:ph type="title"/>
-          </p:nvPr>
-        </p:nvSpPr>
-        <p:spPr>
-          <a:xfrm>
-            <a:off x="839788" y="365125"/>
-            <a:ext cx="10515600" cy="1325563"/>
-          </a:xfrm>
-        </p:spPr>
-        <p:txBody>
-          <a:bodyPr/>
-          <a:lstStyle/>
-          <a:p>
-            <a:r>
-              <a:rPr lang="en-US" smtClean="0"/>
-              <a:t>Click to edit Master title style</a:t>
-            </a:r>
-            <a:endParaRPr lang="en-US"/>
-          </a:p>
-        </p:txBody>
-      </p:sp>
-      <p:sp>
-        <p:nvSpPr>
           <p:cNvPr id="3" name="Text Placeholder 2"/>
           <p:cNvSpPr>
             <a:spLocks noGrp="1"/>
@@ -1601,7 +1969,7 @@
           <a:bodyPr/>
           <a:lstStyle/>
           <a:p>
-            <a:fld id="{91EEB0D3-00D7-411D-AEFE-79F2C1160E38}" type="datetimeFigureOut">
+            <a:fld id="{7641C023-4088-4D75-BBD8-CE482B98921B}" type="datetimeFigureOut">
               <a:rPr lang="en-US" smtClean="0"/>
               <a:t>9/23/2019</a:t>
             </a:fld>
@@ -1619,31 +1987,39 @@
             <p:ph type="ftr" sz="quarter" idx="11"/>
           </p:nvPr>
         </p:nvSpPr>
+        <p:spPr>
+          <a:xfrm>
+            <a:off x="4038600" y="6356350"/>
+            <a:ext cx="4114800" cy="365125"/>
+          </a:xfrm>
+          <a:prstGeom prst="rect">
+            <a:avLst/>
+          </a:prstGeom>
+        </p:spPr>
+        <p:txBody>
+          <a:bodyPr/>
+          <a:lstStyle/>
+          <a:p>
+            <a:endParaRPr lang="en-US"/>
+          </a:p>
+        </p:txBody>
+      </p:sp>
+      <p:sp>
+        <p:nvSpPr>
+          <p:cNvPr id="9" name="Slide Number Placeholder 8"/>
+          <p:cNvSpPr>
+            <a:spLocks noGrp="1"/>
+          </p:cNvSpPr>
+          <p:nvPr>
+            <p:ph type="sldNum" sz="quarter" idx="12"/>
+          </p:nvPr>
+        </p:nvSpPr>
         <p:spPr/>
         <p:txBody>
           <a:bodyPr/>
           <a:lstStyle/>
           <a:p>
-            <a:endParaRPr lang="en-US"/>
-          </a:p>
-        </p:txBody>
-      </p:sp>
-      <p:sp>
-        <p:nvSpPr>
-          <p:cNvPr id="9" name="Slide Number Placeholder 8"/>
-          <p:cNvSpPr>
-            <a:spLocks noGrp="1"/>
-          </p:cNvSpPr>
-          <p:nvPr>
-            <p:ph type="sldNum" sz="quarter" idx="12"/>
-          </p:nvPr>
-        </p:nvSpPr>
-        <p:spPr/>
-        <p:txBody>
-          <a:bodyPr/>
-          <a:lstStyle/>
-          <a:p>
-            <a:fld id="{E2F2FD20-C54A-4B95-BF2E-C8FAC92E7190}" type="slidenum">
+            <a:fld id="{175F09DF-D319-4D32-86C8-2E63EA6969AE}" type="slidenum">
               <a:rPr lang="en-US" smtClean="0"/>
               <a:t>‹#›</a:t>
             </a:fld>
@@ -1651,10 +2027,132 @@
           </a:p>
         </p:txBody>
       </p:sp>
+      <p:sp>
+        <p:nvSpPr>
+          <p:cNvPr id="10" name="Rectangle 9"/>
+          <p:cNvSpPr/>
+          <p:nvPr userDrawn="1"/>
+        </p:nvSpPr>
+        <p:spPr>
+          <a:xfrm>
+            <a:off x="0" y="-1"/>
+            <a:ext cx="12192000" cy="1408113"/>
+          </a:xfrm>
+          <a:prstGeom prst="rect">
+            <a:avLst/>
+          </a:prstGeom>
+          <a:solidFill>
+            <a:schemeClr val="accent1">
+              <a:lumMod val="20000"/>
+              <a:lumOff val="80000"/>
+            </a:schemeClr>
+          </a:solidFill>
+        </p:spPr>
+        <p:style>
+          <a:lnRef idx="2">
+            <a:schemeClr val="accent1">
+              <a:shade val="50000"/>
+            </a:schemeClr>
+          </a:lnRef>
+          <a:fillRef idx="1">
+            <a:schemeClr val="accent1"/>
+          </a:fillRef>
+          <a:effectRef idx="0">
+            <a:schemeClr val="accent1"/>
+          </a:effectRef>
+          <a:fontRef idx="minor">
+            <a:schemeClr val="lt1"/>
+          </a:fontRef>
+        </p:style>
+        <p:txBody>
+          <a:bodyPr rtlCol="0" anchor="ctr"/>
+          <a:lstStyle/>
+          <a:p>
+            <a:pPr algn="ctr"/>
+            <a:endParaRPr lang="en-US"/>
+          </a:p>
+        </p:txBody>
+      </p:sp>
+      <p:sp>
+        <p:nvSpPr>
+          <p:cNvPr id="11" name="Title 1"/>
+          <p:cNvSpPr>
+            <a:spLocks noGrp="1"/>
+          </p:cNvSpPr>
+          <p:nvPr>
+            <p:ph type="title"/>
+          </p:nvPr>
+        </p:nvSpPr>
+        <p:spPr>
+          <a:xfrm>
+            <a:off x="1903828" y="351057"/>
+            <a:ext cx="8384344" cy="930275"/>
+          </a:xfrm>
+        </p:spPr>
+        <p:txBody>
+          <a:bodyPr/>
+          <a:lstStyle/>
+          <a:p>
+            <a:r>
+              <a:rPr lang="en-US" smtClean="0"/>
+              <a:t>Click to edit Master title style</a:t>
+            </a:r>
+            <a:endParaRPr lang="en-US"/>
+          </a:p>
+        </p:txBody>
+      </p:sp>
+      <p:pic>
+        <p:nvPicPr>
+          <p:cNvPr id="12" name="Picture 11"/>
+          <p:cNvPicPr>
+            <a:picLocks noChangeAspect="1"/>
+          </p:cNvPicPr>
+          <p:nvPr userDrawn="1"/>
+        </p:nvPicPr>
+        <p:blipFill>
+          <a:blip r:embed="rId2"/>
+          <a:stretch>
+            <a:fillRect/>
+          </a:stretch>
+        </p:blipFill>
+        <p:spPr>
+          <a:xfrm>
+            <a:off x="10600162" y="100941"/>
+            <a:ext cx="1507276" cy="1206227"/>
+          </a:xfrm>
+          <a:prstGeom prst="rect">
+            <a:avLst/>
+          </a:prstGeom>
+        </p:spPr>
+      </p:pic>
+      <p:pic>
+        <p:nvPicPr>
+          <p:cNvPr id="13" name="Picture 12"/>
+          <p:cNvPicPr>
+            <a:picLocks noChangeAspect="1"/>
+          </p:cNvPicPr>
+          <p:nvPr userDrawn="1"/>
+        </p:nvPicPr>
+        <p:blipFill>
+          <a:blip r:embed="rId3"/>
+          <a:stretch>
+            <a:fillRect/>
+          </a:stretch>
+        </p:blipFill>
+        <p:spPr>
+          <a:xfrm>
+            <a:off x="-186408" y="-154511"/>
+            <a:ext cx="2049216" cy="1717130"/>
+          </a:xfrm>
+          <a:prstGeom prst="rect">
+            <a:avLst/>
+          </a:prstGeom>
+        </p:spPr>
+      </p:pic>
     </p:spTree>
     <p:extLst>
       <p:ext uri="{BB962C8B-B14F-4D97-AF65-F5344CB8AC3E}">
-        <p14:creationId xmlns:p14="http://schemas.microsoft.com/office/powerpoint/2010/main" val="383573408"/>
+        <p14:creationId xmlns:p14="http://schemas.microsoft.com/office/powerpoint/2010/main" val="910283014"/>
       </p:ext>
     </p:extLst>
   </p:cSld>
@@ -1665,7 +2163,7 @@
 </file>
 
 <file path=ppt/slideLayouts/slideLayout6.xml><?xml version="1.0" encoding="utf-8"?>
-<p:sldLayout xmlns:a="http://schemas.openxmlformats.org/drawingml/2006/main" xmlns:r="http://schemas.openxmlformats.org/officeDocument/2006/relationships" xmlns:p="http://schemas.openxmlformats.org/presentationml/2006/main" type="titleOnly" preserve="1">
+<p:sldLayout xmlns:a="http://schemas.openxmlformats.org/drawingml/2006/main" xmlns:r="http://schemas.openxmlformats.org/officeDocument/2006/relationships" xmlns:p="http://schemas.openxmlformats.org/presentationml/2006/main" preserve="1" userDrawn="1">
   <p:cSld name="Title Only">
     <p:spTree>
       <p:nvGrpSpPr>
@@ -1683,12 +2181,12 @@
       </p:grpSpPr>
       <p:sp>
         <p:nvSpPr>
-          <p:cNvPr id="2" name="Title 1"/>
-          <p:cNvSpPr>
-            <a:spLocks noGrp="1"/>
-          </p:cNvSpPr>
-          <p:nvPr>
-            <p:ph type="title"/>
+          <p:cNvPr id="3" name="Date Placeholder 2"/>
+          <p:cNvSpPr>
+            <a:spLocks noGrp="1"/>
+          </p:cNvSpPr>
+          <p:nvPr>
+            <p:ph type="dt" sz="half" idx="10"/>
           </p:nvPr>
         </p:nvSpPr>
         <p:spPr/>
@@ -1696,30 +2194,7 @@
           <a:bodyPr/>
           <a:lstStyle/>
           <a:p>
-            <a:r>
-              <a:rPr lang="en-US" smtClean="0"/>
-              <a:t>Click to edit Master title style</a:t>
-            </a:r>
-            <a:endParaRPr lang="en-US"/>
-          </a:p>
-        </p:txBody>
-      </p:sp>
-      <p:sp>
-        <p:nvSpPr>
-          <p:cNvPr id="3" name="Date Placeholder 2"/>
-          <p:cNvSpPr>
-            <a:spLocks noGrp="1"/>
-          </p:cNvSpPr>
-          <p:nvPr>
-            <p:ph type="dt" sz="half" idx="10"/>
-          </p:nvPr>
-        </p:nvSpPr>
-        <p:spPr/>
-        <p:txBody>
-          <a:bodyPr/>
-          <a:lstStyle/>
-          <a:p>
-            <a:fld id="{91EEB0D3-00D7-411D-AEFE-79F2C1160E38}" type="datetimeFigureOut">
+            <a:fld id="{7641C023-4088-4D75-BBD8-CE482B98921B}" type="datetimeFigureOut">
               <a:rPr lang="en-US" smtClean="0"/>
               <a:t>9/23/2019</a:t>
             </a:fld>
@@ -1737,31 +2212,39 @@
             <p:ph type="ftr" sz="quarter" idx="11"/>
           </p:nvPr>
         </p:nvSpPr>
+        <p:spPr>
+          <a:xfrm>
+            <a:off x="4038600" y="6356350"/>
+            <a:ext cx="4114800" cy="365125"/>
+          </a:xfrm>
+          <a:prstGeom prst="rect">
+            <a:avLst/>
+          </a:prstGeom>
+        </p:spPr>
+        <p:txBody>
+          <a:bodyPr/>
+          <a:lstStyle/>
+          <a:p>
+            <a:endParaRPr lang="en-US"/>
+          </a:p>
+        </p:txBody>
+      </p:sp>
+      <p:sp>
+        <p:nvSpPr>
+          <p:cNvPr id="5" name="Slide Number Placeholder 4"/>
+          <p:cNvSpPr>
+            <a:spLocks noGrp="1"/>
+          </p:cNvSpPr>
+          <p:nvPr>
+            <p:ph type="sldNum" sz="quarter" idx="12"/>
+          </p:nvPr>
+        </p:nvSpPr>
         <p:spPr/>
         <p:txBody>
           <a:bodyPr/>
           <a:lstStyle/>
           <a:p>
-            <a:endParaRPr lang="en-US"/>
-          </a:p>
-        </p:txBody>
-      </p:sp>
-      <p:sp>
-        <p:nvSpPr>
-          <p:cNvPr id="5" name="Slide Number Placeholder 4"/>
-          <p:cNvSpPr>
-            <a:spLocks noGrp="1"/>
-          </p:cNvSpPr>
-          <p:nvPr>
-            <p:ph type="sldNum" sz="quarter" idx="12"/>
-          </p:nvPr>
-        </p:nvSpPr>
-        <p:spPr/>
-        <p:txBody>
-          <a:bodyPr/>
-          <a:lstStyle/>
-          <a:p>
-            <a:fld id="{E2F2FD20-C54A-4B95-BF2E-C8FAC92E7190}" type="slidenum">
+            <a:fld id="{175F09DF-D319-4D32-86C8-2E63EA6969AE}" type="slidenum">
               <a:rPr lang="en-US" smtClean="0"/>
               <a:t>‹#›</a:t>
             </a:fld>
@@ -1769,10 +2252,132 @@
           </a:p>
         </p:txBody>
       </p:sp>
+      <p:sp>
+        <p:nvSpPr>
+          <p:cNvPr id="6" name="Rectangle 5"/>
+          <p:cNvSpPr/>
+          <p:nvPr userDrawn="1"/>
+        </p:nvSpPr>
+        <p:spPr>
+          <a:xfrm>
+            <a:off x="0" y="-1"/>
+            <a:ext cx="12192000" cy="1408113"/>
+          </a:xfrm>
+          <a:prstGeom prst="rect">
+            <a:avLst/>
+          </a:prstGeom>
+          <a:solidFill>
+            <a:schemeClr val="accent1">
+              <a:lumMod val="20000"/>
+              <a:lumOff val="80000"/>
+            </a:schemeClr>
+          </a:solidFill>
+        </p:spPr>
+        <p:style>
+          <a:lnRef idx="2">
+            <a:schemeClr val="accent1">
+              <a:shade val="50000"/>
+            </a:schemeClr>
+          </a:lnRef>
+          <a:fillRef idx="1">
+            <a:schemeClr val="accent1"/>
+          </a:fillRef>
+          <a:effectRef idx="0">
+            <a:schemeClr val="accent1"/>
+          </a:effectRef>
+          <a:fontRef idx="minor">
+            <a:schemeClr val="lt1"/>
+          </a:fontRef>
+        </p:style>
+        <p:txBody>
+          <a:bodyPr rtlCol="0" anchor="ctr"/>
+          <a:lstStyle/>
+          <a:p>
+            <a:pPr algn="ctr"/>
+            <a:endParaRPr lang="en-US"/>
+          </a:p>
+        </p:txBody>
+      </p:sp>
+      <p:sp>
+        <p:nvSpPr>
+          <p:cNvPr id="7" name="Title 1"/>
+          <p:cNvSpPr>
+            <a:spLocks noGrp="1"/>
+          </p:cNvSpPr>
+          <p:nvPr>
+            <p:ph type="title"/>
+          </p:nvPr>
+        </p:nvSpPr>
+        <p:spPr>
+          <a:xfrm>
+            <a:off x="1903828" y="351057"/>
+            <a:ext cx="8384344" cy="930275"/>
+          </a:xfrm>
+        </p:spPr>
+        <p:txBody>
+          <a:bodyPr/>
+          <a:lstStyle/>
+          <a:p>
+            <a:r>
+              <a:rPr lang="en-US" smtClean="0"/>
+              <a:t>Click to edit Master title style</a:t>
+            </a:r>
+            <a:endParaRPr lang="en-US"/>
+          </a:p>
+        </p:txBody>
+      </p:sp>
+      <p:pic>
+        <p:nvPicPr>
+          <p:cNvPr id="8" name="Picture 7"/>
+          <p:cNvPicPr>
+            <a:picLocks noChangeAspect="1"/>
+          </p:cNvPicPr>
+          <p:nvPr userDrawn="1"/>
+        </p:nvPicPr>
+        <p:blipFill>
+          <a:blip r:embed="rId2"/>
+          <a:stretch>
+            <a:fillRect/>
+          </a:stretch>
+        </p:blipFill>
+        <p:spPr>
+          <a:xfrm>
+            <a:off x="10600162" y="100941"/>
+            <a:ext cx="1507276" cy="1206227"/>
+          </a:xfrm>
+          <a:prstGeom prst="rect">
+            <a:avLst/>
+          </a:prstGeom>
+        </p:spPr>
+      </p:pic>
+      <p:pic>
+        <p:nvPicPr>
+          <p:cNvPr id="9" name="Picture 8"/>
+          <p:cNvPicPr>
+            <a:picLocks noChangeAspect="1"/>
+          </p:cNvPicPr>
+          <p:nvPr userDrawn="1"/>
+        </p:nvPicPr>
+        <p:blipFill>
+          <a:blip r:embed="rId3"/>
+          <a:stretch>
+            <a:fillRect/>
+          </a:stretch>
+        </p:blipFill>
+        <p:spPr>
+          <a:xfrm>
+            <a:off x="-186408" y="-154511"/>
+            <a:ext cx="2049216" cy="1717130"/>
+          </a:xfrm>
+          <a:prstGeom prst="rect">
+            <a:avLst/>
+          </a:prstGeom>
+        </p:spPr>
+      </p:pic>
     </p:spTree>
     <p:extLst>
       <p:ext uri="{BB962C8B-B14F-4D97-AF65-F5344CB8AC3E}">
-        <p14:creationId xmlns:p14="http://schemas.microsoft.com/office/powerpoint/2010/main" val="2797823422"/>
+        <p14:creationId xmlns:p14="http://schemas.microsoft.com/office/powerpoint/2010/main" val="1693299314"/>
       </p:ext>
     </p:extLst>
   </p:cSld>
@@ -1814,7 +2419,7 @@
           <a:bodyPr/>
           <a:lstStyle/>
           <a:p>
-            <a:fld id="{91EEB0D3-00D7-411D-AEFE-79F2C1160E38}" type="datetimeFigureOut">
+            <a:fld id="{7641C023-4088-4D75-BBD8-CE482B98921B}" type="datetimeFigureOut">
               <a:rPr lang="en-US" smtClean="0"/>
               <a:t>9/23/2019</a:t>
             </a:fld>
@@ -1832,31 +2437,39 @@
             <p:ph type="ftr" sz="quarter" idx="11"/>
           </p:nvPr>
         </p:nvSpPr>
+        <p:spPr>
+          <a:xfrm>
+            <a:off x="4038600" y="6356350"/>
+            <a:ext cx="4114800" cy="365125"/>
+          </a:xfrm>
+          <a:prstGeom prst="rect">
+            <a:avLst/>
+          </a:prstGeom>
+        </p:spPr>
+        <p:txBody>
+          <a:bodyPr/>
+          <a:lstStyle/>
+          <a:p>
+            <a:endParaRPr lang="en-US"/>
+          </a:p>
+        </p:txBody>
+      </p:sp>
+      <p:sp>
+        <p:nvSpPr>
+          <p:cNvPr id="4" name="Slide Number Placeholder 3"/>
+          <p:cNvSpPr>
+            <a:spLocks noGrp="1"/>
+          </p:cNvSpPr>
+          <p:nvPr>
+            <p:ph type="sldNum" sz="quarter" idx="12"/>
+          </p:nvPr>
+        </p:nvSpPr>
         <p:spPr/>
         <p:txBody>
           <a:bodyPr/>
           <a:lstStyle/>
           <a:p>
-            <a:endParaRPr lang="en-US"/>
-          </a:p>
-        </p:txBody>
-      </p:sp>
-      <p:sp>
-        <p:nvSpPr>
-          <p:cNvPr id="4" name="Slide Number Placeholder 3"/>
-          <p:cNvSpPr>
-            <a:spLocks noGrp="1"/>
-          </p:cNvSpPr>
-          <p:nvPr>
-            <p:ph type="sldNum" sz="quarter" idx="12"/>
-          </p:nvPr>
-        </p:nvSpPr>
-        <p:spPr/>
-        <p:txBody>
-          <a:bodyPr/>
-          <a:lstStyle/>
-          <a:p>
-            <a:fld id="{E2F2FD20-C54A-4B95-BF2E-C8FAC92E7190}" type="slidenum">
+            <a:fld id="{175F09DF-D319-4D32-86C8-2E63EA6969AE}" type="slidenum">
               <a:rPr lang="en-US" smtClean="0"/>
               <a:t>‹#›</a:t>
             </a:fld>
@@ -1867,7 +2480,7 @@
     </p:spTree>
     <p:extLst>
       <p:ext uri="{BB962C8B-B14F-4D97-AF65-F5344CB8AC3E}">
-        <p14:creationId xmlns:p14="http://schemas.microsoft.com/office/powerpoint/2010/main" val="1904678500"/>
+        <p14:creationId xmlns:p14="http://schemas.microsoft.com/office/powerpoint/2010/main" val="1635799398"/>
       </p:ext>
     </p:extLst>
   </p:cSld>
@@ -2091,7 +2704,7 @@
           <a:bodyPr/>
           <a:lstStyle/>
           <a:p>
-            <a:fld id="{91EEB0D3-00D7-411D-AEFE-79F2C1160E38}" type="datetimeFigureOut">
+            <a:fld id="{7641C023-4088-4D75-BBD8-CE482B98921B}" type="datetimeFigureOut">
               <a:rPr lang="en-US" smtClean="0"/>
               <a:t>9/23/2019</a:t>
             </a:fld>
@@ -2109,31 +2722,39 @@
             <p:ph type="ftr" sz="quarter" idx="11"/>
           </p:nvPr>
         </p:nvSpPr>
+        <p:spPr>
+          <a:xfrm>
+            <a:off x="4038600" y="6356350"/>
+            <a:ext cx="4114800" cy="365125"/>
+          </a:xfrm>
+          <a:prstGeom prst="rect">
+            <a:avLst/>
+          </a:prstGeom>
+        </p:spPr>
+        <p:txBody>
+          <a:bodyPr/>
+          <a:lstStyle/>
+          <a:p>
+            <a:endParaRPr lang="en-US"/>
+          </a:p>
+        </p:txBody>
+      </p:sp>
+      <p:sp>
+        <p:nvSpPr>
+          <p:cNvPr id="7" name="Slide Number Placeholder 6"/>
+          <p:cNvSpPr>
+            <a:spLocks noGrp="1"/>
+          </p:cNvSpPr>
+          <p:nvPr>
+            <p:ph type="sldNum" sz="quarter" idx="12"/>
+          </p:nvPr>
+        </p:nvSpPr>
         <p:spPr/>
         <p:txBody>
           <a:bodyPr/>
           <a:lstStyle/>
           <a:p>
-            <a:endParaRPr lang="en-US"/>
-          </a:p>
-        </p:txBody>
-      </p:sp>
-      <p:sp>
-        <p:nvSpPr>
-          <p:cNvPr id="7" name="Slide Number Placeholder 6"/>
-          <p:cNvSpPr>
-            <a:spLocks noGrp="1"/>
-          </p:cNvSpPr>
-          <p:nvPr>
-            <p:ph type="sldNum" sz="quarter" idx="12"/>
-          </p:nvPr>
-        </p:nvSpPr>
-        <p:spPr/>
-        <p:txBody>
-          <a:bodyPr/>
-          <a:lstStyle/>
-          <a:p>
-            <a:fld id="{E2F2FD20-C54A-4B95-BF2E-C8FAC92E7190}" type="slidenum">
+            <a:fld id="{175F09DF-D319-4D32-86C8-2E63EA6969AE}" type="slidenum">
               <a:rPr lang="en-US" smtClean="0"/>
               <a:t>‹#›</a:t>
             </a:fld>
@@ -2144,7 +2765,7 @@
     </p:spTree>
     <p:extLst>
       <p:ext uri="{BB962C8B-B14F-4D97-AF65-F5344CB8AC3E}">
-        <p14:creationId xmlns:p14="http://schemas.microsoft.com/office/powerpoint/2010/main" val="3825943818"/>
+        <p14:creationId xmlns:p14="http://schemas.microsoft.com/office/powerpoint/2010/main" val="3053423869"/>
       </p:ext>
     </p:extLst>
   </p:cSld>
@@ -2344,7 +2965,7 @@
           <a:bodyPr/>
           <a:lstStyle/>
           <a:p>
-            <a:fld id="{91EEB0D3-00D7-411D-AEFE-79F2C1160E38}" type="datetimeFigureOut">
+            <a:fld id="{7641C023-4088-4D75-BBD8-CE482B98921B}" type="datetimeFigureOut">
               <a:rPr lang="en-US" smtClean="0"/>
               <a:t>9/23/2019</a:t>
             </a:fld>
@@ -2362,31 +2983,39 @@
             <p:ph type="ftr" sz="quarter" idx="11"/>
           </p:nvPr>
         </p:nvSpPr>
+        <p:spPr>
+          <a:xfrm>
+            <a:off x="4038600" y="6356350"/>
+            <a:ext cx="4114800" cy="365125"/>
+          </a:xfrm>
+          <a:prstGeom prst="rect">
+            <a:avLst/>
+          </a:prstGeom>
+        </p:spPr>
+        <p:txBody>
+          <a:bodyPr/>
+          <a:lstStyle/>
+          <a:p>
+            <a:endParaRPr lang="en-US"/>
+          </a:p>
+        </p:txBody>
+      </p:sp>
+      <p:sp>
+        <p:nvSpPr>
+          <p:cNvPr id="7" name="Slide Number Placeholder 6"/>
+          <p:cNvSpPr>
+            <a:spLocks noGrp="1"/>
+          </p:cNvSpPr>
+          <p:nvPr>
+            <p:ph type="sldNum" sz="quarter" idx="12"/>
+          </p:nvPr>
+        </p:nvSpPr>
         <p:spPr/>
         <p:txBody>
           <a:bodyPr/>
           <a:lstStyle/>
           <a:p>
-            <a:endParaRPr lang="en-US"/>
-          </a:p>
-        </p:txBody>
-      </p:sp>
-      <p:sp>
-        <p:nvSpPr>
-          <p:cNvPr id="7" name="Slide Number Placeholder 6"/>
-          <p:cNvSpPr>
-            <a:spLocks noGrp="1"/>
-          </p:cNvSpPr>
-          <p:nvPr>
-            <p:ph type="sldNum" sz="quarter" idx="12"/>
-          </p:nvPr>
-        </p:nvSpPr>
-        <p:spPr/>
-        <p:txBody>
-          <a:bodyPr/>
-          <a:lstStyle/>
-          <a:p>
-            <a:fld id="{E2F2FD20-C54A-4B95-BF2E-C8FAC92E7190}" type="slidenum">
+            <a:fld id="{175F09DF-D319-4D32-86C8-2E63EA6969AE}" type="slidenum">
               <a:rPr lang="en-US" smtClean="0"/>
               <a:t>‹#›</a:t>
             </a:fld>
@@ -2397,7 +3026,7 @@
     </p:spTree>
     <p:extLst>
       <p:ext uri="{BB962C8B-B14F-4D97-AF65-F5344CB8AC3E}">
-        <p14:creationId xmlns:p14="http://schemas.microsoft.com/office/powerpoint/2010/main" val="2393817956"/>
+        <p14:creationId xmlns:p14="http://schemas.microsoft.com/office/powerpoint/2010/main" val="1455866172"/>
       </p:ext>
     </p:extLst>
   </p:cSld>
@@ -2557,47 +3186,10 @@
             </a:lvl1pPr>
           </a:lstStyle>
           <a:p>
-            <a:fld id="{91EEB0D3-00D7-411D-AEFE-79F2C1160E38}" type="datetimeFigureOut">
+            <a:fld id="{7641C023-4088-4D75-BBD8-CE482B98921B}" type="datetimeFigureOut">
               <a:rPr lang="en-US" smtClean="0"/>
               <a:t>9/23/2019</a:t>
             </a:fld>
-            <a:endParaRPr lang="en-US"/>
-          </a:p>
-        </p:txBody>
-      </p:sp>
-      <p:sp>
-        <p:nvSpPr>
-          <p:cNvPr id="5" name="Footer Placeholder 4"/>
-          <p:cNvSpPr>
-            <a:spLocks noGrp="1"/>
-          </p:cNvSpPr>
-          <p:nvPr>
-            <p:ph type="ftr" sz="quarter" idx="3"/>
-          </p:nvPr>
-        </p:nvSpPr>
-        <p:spPr>
-          <a:xfrm>
-            <a:off x="4038600" y="6356350"/>
-            <a:ext cx="4114800" cy="365125"/>
-          </a:xfrm>
-          <a:prstGeom prst="rect">
-            <a:avLst/>
-          </a:prstGeom>
-        </p:spPr>
-        <p:txBody>
-          <a:bodyPr vert="horz" lIns="91440" tIns="45720" rIns="91440" bIns="45720" rtlCol="0" anchor="ctr"/>
-          <a:lstStyle>
-            <a:lvl1pPr algn="ctr">
-              <a:defRPr sz="1200">
-                <a:solidFill>
-                  <a:schemeClr val="tx1">
-                    <a:tint val="75000"/>
-                  </a:schemeClr>
-                </a:solidFill>
-              </a:defRPr>
-            </a:lvl1pPr>
-          </a:lstStyle>
-          <a:p>
             <a:endParaRPr lang="en-US"/>
           </a:p>
         </p:txBody>
@@ -2635,18 +3227,48 @@
             </a:lvl1pPr>
           </a:lstStyle>
           <a:p>
-            <a:fld id="{E2F2FD20-C54A-4B95-BF2E-C8FAC92E7190}" type="slidenum">
+            <a:fld id="{175F09DF-D319-4D32-86C8-2E63EA6969AE}" type="slidenum">
               <a:rPr lang="en-US" smtClean="0"/>
               <a:t>‹#›</a:t>
             </a:fld>
             <a:endParaRPr lang="en-US"/>
+          </a:p>
+        </p:txBody>
+      </p:sp>
+      <p:sp>
+        <p:nvSpPr>
+          <p:cNvPr id="7" name="TextBox 6"/>
+          <p:cNvSpPr txBox="1"/>
+          <p:nvPr userDrawn="1"/>
+        </p:nvSpPr>
+        <p:spPr>
+          <a:xfrm>
+            <a:off x="4669968" y="6367536"/>
+            <a:ext cx="2852063" cy="369332"/>
+          </a:xfrm>
+          <a:prstGeom prst="rect">
+            <a:avLst/>
+          </a:prstGeom>
+          <a:noFill/>
+        </p:spPr>
+        <p:txBody>
+          <a:bodyPr wrap="none" rtlCol="0">
+            <a:spAutoFit/>
+          </a:bodyPr>
+          <a:lstStyle/>
+          <a:p>
+            <a:r>
+              <a:rPr lang="en-US" dirty="0" smtClean="0"/>
+              <a:t>For Instructional Use Only</a:t>
+            </a:r>
+            <a:endParaRPr lang="en-US" dirty="0"/>
           </a:p>
         </p:txBody>
       </p:sp>
     </p:spTree>
     <p:extLst>
       <p:ext uri="{BB962C8B-B14F-4D97-AF65-F5344CB8AC3E}">
-        <p14:creationId xmlns:p14="http://schemas.microsoft.com/office/powerpoint/2010/main" val="508331339"/>
+        <p14:creationId xmlns:p14="http://schemas.microsoft.com/office/powerpoint/2010/main" val="2871024585"/>
       </p:ext>
     </p:extLst>
   </p:cSld>
@@ -2979,7 +3601,7 @@
           <a:bodyPr/>
           <a:lstStyle/>
           <a:p>
-            <a:endParaRPr lang="en-US"/>
+            <a:endParaRPr lang="en-US" dirty="0"/>
           </a:p>
         </p:txBody>
       </p:sp>
@@ -3005,7 +3627,75 @@
     </p:spTree>
     <p:extLst>
       <p:ext uri="{BB962C8B-B14F-4D97-AF65-F5344CB8AC3E}">
-        <p14:creationId xmlns:p14="http://schemas.microsoft.com/office/powerpoint/2010/main" val="538587801"/>
+        <p14:creationId xmlns:p14="http://schemas.microsoft.com/office/powerpoint/2010/main" val="2539259729"/>
+      </p:ext>
+    </p:extLst>
+  </p:cSld>
+  <p:clrMapOvr>
+    <a:masterClrMapping/>
+  </p:clrMapOvr>
+</p:sld>
+</file>
+
+<file path=ppt/slides/slide2.xml><?xml version="1.0" encoding="utf-8"?>
+<p:sld xmlns:a="http://schemas.openxmlformats.org/drawingml/2006/main" xmlns:r="http://schemas.openxmlformats.org/officeDocument/2006/relationships" xmlns:p="http://schemas.openxmlformats.org/presentationml/2006/main">
+  <p:cSld>
+    <p:spTree>
+      <p:nvGrpSpPr>
+        <p:cNvPr id="1" name=""/>
+        <p:cNvGrpSpPr/>
+        <p:nvPr/>
+      </p:nvGrpSpPr>
+      <p:grpSpPr>
+        <a:xfrm>
+          <a:off x="0" y="0"/>
+          <a:ext cx="0" cy="0"/>
+          <a:chOff x="0" y="0"/>
+          <a:chExt cx="0" cy="0"/>
+        </a:xfrm>
+      </p:grpSpPr>
+      <p:sp>
+        <p:nvSpPr>
+          <p:cNvPr id="2" name="Title 1"/>
+          <p:cNvSpPr>
+            <a:spLocks noGrp="1"/>
+          </p:cNvSpPr>
+          <p:nvPr>
+            <p:ph type="title"/>
+          </p:nvPr>
+        </p:nvSpPr>
+        <p:spPr/>
+        <p:txBody>
+          <a:bodyPr/>
+          <a:lstStyle/>
+          <a:p>
+            <a:endParaRPr lang="en-US"/>
+          </a:p>
+        </p:txBody>
+      </p:sp>
+      <p:sp>
+        <p:nvSpPr>
+          <p:cNvPr id="3" name="Content Placeholder 2"/>
+          <p:cNvSpPr>
+            <a:spLocks noGrp="1"/>
+          </p:cNvSpPr>
+          <p:nvPr>
+            <p:ph idx="1"/>
+          </p:nvPr>
+        </p:nvSpPr>
+        <p:spPr/>
+        <p:txBody>
+          <a:bodyPr/>
+          <a:lstStyle/>
+          <a:p>
+            <a:endParaRPr lang="en-US"/>
+          </a:p>
+        </p:txBody>
+      </p:sp>
+    </p:spTree>
+    <p:extLst>
+      <p:ext uri="{BB962C8B-B14F-4D97-AF65-F5344CB8AC3E}">
+        <p14:creationId xmlns:p14="http://schemas.microsoft.com/office/powerpoint/2010/main" val="3032350724"/>
       </p:ext>
     </p:extLst>
   </p:cSld>
@@ -3056,13 +3746,13 @@
         <a:srgbClr val="954F72"/>
       </a:folHlink>
     </a:clrScheme>
-    <a:fontScheme name="Office">
+    <a:fontScheme name="Times New Roman-Arial">
       <a:majorFont>
-        <a:latin typeface="Calibri Light" panose="020F0302020204030204"/>
+        <a:latin typeface="Times New Roman" panose="02020603050405020304"/>
         <a:ea typeface=""/>
         <a:cs typeface=""/>
-        <a:font script="Jpan" typeface="ＭＳ Ｐゴシック"/>
-        <a:font script="Hang" typeface="맑은 고딕"/>
+        <a:font script="Jpan" typeface="ＭＳ Ｐ明朝"/>
+        <a:font script="Hang" typeface="바탕"/>
         <a:font script="Hans" typeface="宋体"/>
         <a:font script="Hant" typeface="新細明體"/>
         <a:font script="Arab" typeface="Times New Roman"/>
@@ -3093,13 +3783,13 @@
         <a:font script="Geor" typeface="Sylfaen"/>
       </a:majorFont>
       <a:minorFont>
-        <a:latin typeface="Calibri" panose="020F0502020204030204"/>
+        <a:latin typeface="Arial" panose="020B0604020202020204"/>
         <a:ea typeface=""/>
         <a:cs typeface=""/>
         <a:font script="Jpan" typeface="ＭＳ Ｐゴシック"/>
-        <a:font script="Hang" typeface="맑은 고딕"/>
-        <a:font script="Hans" typeface="宋体"/>
-        <a:font script="Hant" typeface="新細明體"/>
+        <a:font script="Hang" typeface="돋움"/>
+        <a:font script="Hans" typeface="黑体"/>
+        <a:font script="Hant" typeface="微軟正黑體"/>
         <a:font script="Arab" typeface="Arial"/>
         <a:font script="Hebr" typeface="Arial"/>
         <a:font script="Thai" typeface="Cordia New"/>
